--- a/Presentations/ספרינט 1 מצגת סיכום.pptx
+++ b/Presentations/ספרינט 1 מצגת סיכום.pptx
@@ -5,17 +5,18 @@
     <p:sldMasterId id="2147483648" r:id="rId1"/>
   </p:sldMasterIdLst>
   <p:notesMasterIdLst>
-    <p:notesMasterId r:id="rId10"/>
+    <p:notesMasterId r:id="rId11"/>
   </p:notesMasterIdLst>
   <p:sldIdLst>
     <p:sldId id="256" r:id="rId2"/>
     <p:sldId id="257" r:id="rId3"/>
     <p:sldId id="258" r:id="rId4"/>
-    <p:sldId id="260" r:id="rId5"/>
-    <p:sldId id="261" r:id="rId6"/>
-    <p:sldId id="262" r:id="rId7"/>
-    <p:sldId id="263" r:id="rId8"/>
-    <p:sldId id="264" r:id="rId9"/>
+    <p:sldId id="265" r:id="rId5"/>
+    <p:sldId id="260" r:id="rId6"/>
+    <p:sldId id="261" r:id="rId7"/>
+    <p:sldId id="262" r:id="rId8"/>
+    <p:sldId id="263" r:id="rId9"/>
+    <p:sldId id="264" r:id="rId10"/>
   </p:sldIdLst>
   <p:sldSz cx="12192000" cy="6858000"/>
   <p:notesSz cx="6858000" cy="9144000"/>
@@ -229,7 +230,7 @@
           <a:p>
             <a:fld id="{03573BAD-26BF-45FC-A316-E1836D95B7B8}" type="datetimeFigureOut">
               <a:rPr lang="en-US" smtClean="0"/>
-              <a:t>12/12/2022</a:t>
+              <a:t>12/15/2022</a:t>
             </a:fld>
             <a:endParaRPr lang="en-US"/>
           </a:p>
@@ -792,7 +793,7 @@
           <a:p>
             <a:fld id="{F088DBFF-C64D-4374-B24D-3FD9CC14944E}" type="slidenum">
               <a:rPr lang="en-US" smtClean="0"/>
-              <a:t>7</a:t>
+              <a:t>8</a:t>
             </a:fld>
             <a:endParaRPr lang="en-US"/>
           </a:p>
@@ -950,7 +951,7 @@
           <a:p>
             <a:fld id="{ACE0332F-FCE7-43B8-8B44-ECBD436CDFD7}" type="datetimeFigureOut">
               <a:rPr lang="he-IL" smtClean="0"/>
-              <a:t>י"ח/כסלו/תשפ"ג</a:t>
+              <a:t>כ"א/כסלו/תשפ"ג</a:t>
             </a:fld>
             <a:endParaRPr lang="he-IL"/>
           </a:p>
@@ -1143,7 +1144,7 @@
           <a:p>
             <a:fld id="{ACE0332F-FCE7-43B8-8B44-ECBD436CDFD7}" type="datetimeFigureOut">
               <a:rPr lang="he-IL" smtClean="0"/>
-              <a:t>י"ח/כסלו/תשפ"ג</a:t>
+              <a:t>כ"א/כסלו/תשפ"ג</a:t>
             </a:fld>
             <a:endParaRPr lang="he-IL"/>
           </a:p>
@@ -1339,7 +1340,7 @@
           <a:p>
             <a:fld id="{ACE0332F-FCE7-43B8-8B44-ECBD436CDFD7}" type="datetimeFigureOut">
               <a:rPr lang="he-IL" smtClean="0"/>
-              <a:t>י"ח/כסלו/תשפ"ג</a:t>
+              <a:t>כ"א/כסלו/תשפ"ג</a:t>
             </a:fld>
             <a:endParaRPr lang="he-IL"/>
           </a:p>
@@ -1525,7 +1526,7 @@
           <a:p>
             <a:fld id="{ACE0332F-FCE7-43B8-8B44-ECBD436CDFD7}" type="datetimeFigureOut">
               <a:rPr lang="he-IL" smtClean="0"/>
-              <a:t>י"ח/כסלו/תשפ"ג</a:t>
+              <a:t>כ"א/כסלו/תשפ"ג</a:t>
             </a:fld>
             <a:endParaRPr lang="he-IL"/>
           </a:p>
@@ -1794,7 +1795,7 @@
           <a:p>
             <a:fld id="{ACE0332F-FCE7-43B8-8B44-ECBD436CDFD7}" type="datetimeFigureOut">
               <a:rPr lang="he-IL" smtClean="0"/>
-              <a:t>י"ח/כסלו/תשפ"ג</a:t>
+              <a:t>כ"א/כסלו/תשפ"ג</a:t>
             </a:fld>
             <a:endParaRPr lang="he-IL"/>
           </a:p>
@@ -2049,7 +2050,7 @@
           <a:p>
             <a:fld id="{ACE0332F-FCE7-43B8-8B44-ECBD436CDFD7}" type="datetimeFigureOut">
               <a:rPr lang="he-IL" smtClean="0"/>
-              <a:t>י"ח/כסלו/תשפ"ג</a:t>
+              <a:t>כ"א/כסלו/תשפ"ג</a:t>
             </a:fld>
             <a:endParaRPr lang="he-IL"/>
           </a:p>
@@ -2439,7 +2440,7 @@
           <a:p>
             <a:fld id="{ACE0332F-FCE7-43B8-8B44-ECBD436CDFD7}" type="datetimeFigureOut">
               <a:rPr lang="he-IL" smtClean="0"/>
-              <a:t>י"ח/כסלו/תשפ"ג</a:t>
+              <a:t>כ"א/כסלו/תשפ"ג</a:t>
             </a:fld>
             <a:endParaRPr lang="he-IL"/>
           </a:p>
@@ -2580,7 +2581,7 @@
           <a:p>
             <a:fld id="{ACE0332F-FCE7-43B8-8B44-ECBD436CDFD7}" type="datetimeFigureOut">
               <a:rPr lang="he-IL" smtClean="0"/>
-              <a:t>י"ח/כסלו/תשפ"ג</a:t>
+              <a:t>כ"א/כסלו/תשפ"ג</a:t>
             </a:fld>
             <a:endParaRPr lang="he-IL"/>
           </a:p>
@@ -2691,7 +2692,7 @@
           <a:p>
             <a:fld id="{ACE0332F-FCE7-43B8-8B44-ECBD436CDFD7}" type="datetimeFigureOut">
               <a:rPr lang="he-IL" smtClean="0"/>
-              <a:t>י"ח/כסלו/תשפ"ג</a:t>
+              <a:t>כ"א/כסלו/תשפ"ג</a:t>
             </a:fld>
             <a:endParaRPr lang="he-IL"/>
           </a:p>
@@ -2984,7 +2985,7 @@
           <a:p>
             <a:fld id="{ACE0332F-FCE7-43B8-8B44-ECBD436CDFD7}" type="datetimeFigureOut">
               <a:rPr lang="he-IL" smtClean="0"/>
-              <a:t>י"ח/כסלו/תשפ"ג</a:t>
+              <a:t>כ"א/כסלו/תשפ"ג</a:t>
             </a:fld>
             <a:endParaRPr lang="he-IL"/>
           </a:p>
@@ -3253,7 +3254,7 @@
           <a:p>
             <a:fld id="{ACE0332F-FCE7-43B8-8B44-ECBD436CDFD7}" type="datetimeFigureOut">
               <a:rPr lang="he-IL" smtClean="0"/>
-              <a:t>י"ח/כסלו/תשפ"ג</a:t>
+              <a:t>כ"א/כסלו/תשפ"ג</a:t>
             </a:fld>
             <a:endParaRPr lang="he-IL"/>
           </a:p>
@@ -5762,15 +5763,7 @@
             </a:r>
             <a:r>
               <a:rPr lang="he-IL" dirty="0" smtClean="0"/>
-              <a:t> </a:t>
-            </a:r>
-            <a:r>
-              <a:rPr lang="he-IL" dirty="0" smtClean="0"/>
-              <a:t>– פרויקט </a:t>
-            </a:r>
-            <a:r>
-              <a:rPr lang="he-IL" dirty="0" smtClean="0"/>
-              <a:t>פסיכו-</a:t>
+              <a:t> – פרויקט פסיכו-</a:t>
             </a:r>
             <a:r>
               <a:rPr lang="he-IL" dirty="0" err="1" smtClean="0"/>
@@ -5797,11 +5790,7 @@
           <a:p>
             <a:r>
               <a:rPr lang="he-IL" dirty="0" smtClean="0"/>
-              <a:t>מציגים</a:t>
-            </a:r>
-            <a:r>
-              <a:rPr lang="he-IL" dirty="0" smtClean="0"/>
-              <a:t>: נעם ודולב</a:t>
+              <a:t>מציגים: נעם ודולב</a:t>
             </a:r>
             <a:endParaRPr lang="he-IL" dirty="0"/>
           </a:p>
@@ -6197,83 +6186,34 @@
           <a:chExt cx="0" cy="0"/>
         </a:xfrm>
       </p:grpSpPr>
-      <p:sp>
-        <p:nvSpPr>
-          <p:cNvPr id="2" name="כותרת 1"/>
-          <p:cNvSpPr>
-            <a:spLocks noGrp="1"/>
-          </p:cNvSpPr>
-          <p:nvPr>
-            <p:ph type="title"/>
-          </p:nvPr>
-        </p:nvSpPr>
-        <p:spPr/>
-        <p:txBody>
-          <a:bodyPr/>
-          <a:lstStyle/>
-          <a:p>
-            <a:r>
-              <a:rPr lang="he-IL" dirty="0" smtClean="0"/>
-              <a:t>מסקנות</a:t>
-            </a:r>
-            <a:endParaRPr lang="he-IL" dirty="0"/>
-          </a:p>
-        </p:txBody>
-      </p:sp>
-      <p:sp>
-        <p:nvSpPr>
-          <p:cNvPr id="3" name="מציין מיקום תוכן 2"/>
-          <p:cNvSpPr>
-            <a:spLocks noGrp="1"/>
-          </p:cNvSpPr>
-          <p:nvPr>
-            <p:ph idx="1"/>
-          </p:nvPr>
-        </p:nvSpPr>
-        <p:spPr/>
-        <p:txBody>
-          <a:bodyPr/>
-          <a:lstStyle/>
-          <a:p>
-            <a:r>
-              <a:rPr lang="he-IL" dirty="0" smtClean="0"/>
-              <a:t>שימור:</a:t>
-            </a:r>
-          </a:p>
-          <a:p>
-            <a:pPr marL="0" indent="0">
-              <a:buNone/>
-            </a:pPr>
-            <a:r>
-              <a:rPr lang="he-IL" dirty="0" smtClean="0"/>
-              <a:t>להמשיך לחקור כמו שצריך לפני שמתחילים לכתוב קוד, זה חוסך הרבה זמן בכתיבה עצמה.</a:t>
-            </a:r>
-          </a:p>
-          <a:p>
-            <a:pPr marL="0" indent="0">
-              <a:buNone/>
-            </a:pPr>
-            <a:r>
-              <a:rPr lang="he-IL" dirty="0" smtClean="0"/>
-              <a:t>להמשיך את העבודה המשותפת כי ככה שנינו מבינים את כל הקוד.</a:t>
-            </a:r>
-          </a:p>
-          <a:p>
-            <a:pPr marL="0" indent="0">
-              <a:buNone/>
-            </a:pPr>
-            <a:r>
-              <a:rPr lang="he-IL" dirty="0" smtClean="0"/>
-              <a:t> </a:t>
-            </a:r>
-            <a:endParaRPr lang="he-IL" dirty="0"/>
-          </a:p>
-        </p:txBody>
-      </p:sp>
+      <p:pic>
+        <p:nvPicPr>
+          <p:cNvPr id="2" name="Picture 1"/>
+          <p:cNvPicPr>
+            <a:picLocks noChangeAspect="1"/>
+          </p:cNvPicPr>
+          <p:nvPr/>
+        </p:nvPicPr>
+        <p:blipFill>
+          <a:blip r:embed="rId2"/>
+          <a:stretch>
+            <a:fillRect/>
+          </a:stretch>
+        </p:blipFill>
+        <p:spPr>
+          <a:xfrm>
+            <a:off x="920852" y="994787"/>
+            <a:ext cx="10608211" cy="4752870"/>
+          </a:xfrm>
+          <a:prstGeom prst="rect">
+            <a:avLst/>
+          </a:prstGeom>
+        </p:spPr>
+      </p:pic>
     </p:spTree>
     <p:extLst>
       <p:ext uri="{BB962C8B-B14F-4D97-AF65-F5344CB8AC3E}">
-        <p14:creationId xmlns:p14="http://schemas.microsoft.com/office/powerpoint/2010/main" val="2865249865"/>
+        <p14:creationId xmlns:p14="http://schemas.microsoft.com/office/powerpoint/2010/main" val="22988780"/>
       </p:ext>
     </p:extLst>
   </p:cSld>
@@ -6340,13 +6280,17 @@
           <a:p>
             <a:r>
               <a:rPr lang="he-IL" dirty="0" smtClean="0"/>
-              <a:t>שיפור</a:t>
-            </a:r>
+              <a:t>שימור:</a:t>
+            </a:r>
+          </a:p>
+          <a:p>
+            <a:pPr marL="0" indent="0">
+              <a:buNone/>
+            </a:pPr>
             <a:r>
               <a:rPr lang="he-IL" dirty="0" smtClean="0"/>
-              <a:t>:</a:t>
-            </a:r>
-            <a:endParaRPr lang="he-IL" dirty="0"/>
+              <a:t>להמשיך לחקור כמו שצריך לפני שמתחילים לכתוב קוד, זה חוסך הרבה זמן בכתיבה עצמה.</a:t>
+            </a:r>
           </a:p>
           <a:p>
             <a:pPr marL="0" indent="0">
@@ -6354,7 +6298,7 @@
             </a:pPr>
             <a:r>
               <a:rPr lang="he-IL" dirty="0" smtClean="0"/>
-              <a:t>מדי פעם גם לעבוד לבד, על מנת לייעל זמן.</a:t>
+              <a:t>להמשיך את העבודה המשותפת כי ככה שנינו מבינים את כל הקוד.</a:t>
             </a:r>
           </a:p>
           <a:p>
@@ -6363,7 +6307,7 @@
             </a:pPr>
             <a:r>
               <a:rPr lang="he-IL" dirty="0" smtClean="0"/>
-              <a:t>כתיבת הקוד ככה שניתן להריץ אותו באמצע הכתיבה ולא רק בסוף הספרינט.</a:t>
+              <a:t> </a:t>
             </a:r>
             <a:endParaRPr lang="he-IL" dirty="0"/>
           </a:p>
@@ -6372,7 +6316,7 @@
     </p:spTree>
     <p:extLst>
       <p:ext uri="{BB962C8B-B14F-4D97-AF65-F5344CB8AC3E}">
-        <p14:creationId xmlns:p14="http://schemas.microsoft.com/office/powerpoint/2010/main" val="466079334"/>
+        <p14:creationId xmlns:p14="http://schemas.microsoft.com/office/powerpoint/2010/main" val="2865249865"/>
       </p:ext>
     </p:extLst>
   </p:cSld>
@@ -6416,7 +6360,7 @@
           <a:p>
             <a:r>
               <a:rPr lang="he-IL" dirty="0" smtClean="0"/>
-              <a:t>תכנון הספרינט הבא</a:t>
+              <a:t>מסקנות</a:t>
             </a:r>
             <a:endParaRPr lang="he-IL" dirty="0"/>
           </a:p>
@@ -6438,30 +6382,28 @@
           <a:lstStyle/>
           <a:p>
             <a:r>
-              <a:rPr lang="he-IL" dirty="0"/>
-              <a:t>בניית בינה מלאכותית שתפעל בארכיטקטורת </a:t>
-            </a:r>
-            <a:r>
-              <a:rPr lang="en-US" dirty="0"/>
-              <a:t>LSTM</a:t>
+              <a:rPr lang="he-IL" dirty="0" smtClean="0"/>
+              <a:t>שיפור:</a:t>
             </a:r>
             <a:endParaRPr lang="he-IL" dirty="0"/>
           </a:p>
           <a:p>
+            <a:pPr marL="0" indent="0">
+              <a:buNone/>
+            </a:pPr>
             <a:r>
               <a:rPr lang="he-IL" dirty="0" smtClean="0"/>
-              <a:t>בניית </a:t>
-            </a:r>
-            <a:r>
-              <a:rPr lang="en-US" dirty="0" smtClean="0"/>
-              <a:t>API</a:t>
-            </a:r>
+              <a:t>מדי פעם גם לעבוד לבד, על מנת לייעל זמן.</a:t>
+            </a:r>
+          </a:p>
+          <a:p>
+            <a:pPr marL="0" indent="0">
+              <a:buNone/>
+            </a:pPr>
             <a:r>
               <a:rPr lang="he-IL" dirty="0" smtClean="0"/>
-              <a:t> ואתר בסיסי.</a:t>
-            </a:r>
-          </a:p>
-          <a:p>
+              <a:t>כתיבת הקוד ככה שניתן להריץ אותו באמצע הכתיבה ולא רק בסוף הספרינט.</a:t>
+            </a:r>
             <a:endParaRPr lang="he-IL" dirty="0"/>
           </a:p>
         </p:txBody>
@@ -6469,7 +6411,7 @@
     </p:spTree>
     <p:extLst>
       <p:ext uri="{BB962C8B-B14F-4D97-AF65-F5344CB8AC3E}">
-        <p14:creationId xmlns:p14="http://schemas.microsoft.com/office/powerpoint/2010/main" val="3215240963"/>
+        <p14:creationId xmlns:p14="http://schemas.microsoft.com/office/powerpoint/2010/main" val="466079334"/>
       </p:ext>
     </p:extLst>
   </p:cSld>
@@ -6513,6 +6455,103 @@
           <a:p>
             <a:r>
               <a:rPr lang="he-IL" dirty="0" smtClean="0"/>
+              <a:t>תכנון הספרינט הבא</a:t>
+            </a:r>
+            <a:endParaRPr lang="he-IL" dirty="0"/>
+          </a:p>
+        </p:txBody>
+      </p:sp>
+      <p:sp>
+        <p:nvSpPr>
+          <p:cNvPr id="3" name="מציין מיקום תוכן 2"/>
+          <p:cNvSpPr>
+            <a:spLocks noGrp="1"/>
+          </p:cNvSpPr>
+          <p:nvPr>
+            <p:ph idx="1"/>
+          </p:nvPr>
+        </p:nvSpPr>
+        <p:spPr/>
+        <p:txBody>
+          <a:bodyPr/>
+          <a:lstStyle/>
+          <a:p>
+            <a:r>
+              <a:rPr lang="he-IL" dirty="0"/>
+              <a:t>בניית בינה מלאכותית שתפעל בארכיטקטורת </a:t>
+            </a:r>
+            <a:r>
+              <a:rPr lang="en-US" dirty="0"/>
+              <a:t>LSTM</a:t>
+            </a:r>
+            <a:endParaRPr lang="he-IL" dirty="0"/>
+          </a:p>
+          <a:p>
+            <a:r>
+              <a:rPr lang="he-IL" dirty="0" smtClean="0"/>
+              <a:t>בניית </a:t>
+            </a:r>
+            <a:r>
+              <a:rPr lang="en-US" dirty="0" smtClean="0"/>
+              <a:t>API</a:t>
+            </a:r>
+            <a:r>
+              <a:rPr lang="he-IL" dirty="0" smtClean="0"/>
+              <a:t> ואתר בסיסי.</a:t>
+            </a:r>
+          </a:p>
+          <a:p>
+            <a:endParaRPr lang="he-IL" dirty="0"/>
+          </a:p>
+        </p:txBody>
+      </p:sp>
+    </p:spTree>
+    <p:extLst>
+      <p:ext uri="{BB962C8B-B14F-4D97-AF65-F5344CB8AC3E}">
+        <p14:creationId xmlns:p14="http://schemas.microsoft.com/office/powerpoint/2010/main" val="3215240963"/>
+      </p:ext>
+    </p:extLst>
+  </p:cSld>
+  <p:clrMapOvr>
+    <a:masterClrMapping/>
+  </p:clrMapOvr>
+</p:sld>
+</file>
+
+<file path=ppt/slides/slide8.xml><?xml version="1.0" encoding="utf-8"?>
+<p:sld xmlns:a="http://schemas.openxmlformats.org/drawingml/2006/main" xmlns:r="http://schemas.openxmlformats.org/officeDocument/2006/relationships" xmlns:p="http://schemas.openxmlformats.org/presentationml/2006/main">
+  <p:cSld>
+    <p:spTree>
+      <p:nvGrpSpPr>
+        <p:cNvPr id="1" name=""/>
+        <p:cNvGrpSpPr/>
+        <p:nvPr/>
+      </p:nvGrpSpPr>
+      <p:grpSpPr>
+        <a:xfrm>
+          <a:off x="0" y="0"/>
+          <a:ext cx="0" cy="0"/>
+          <a:chOff x="0" y="0"/>
+          <a:chExt cx="0" cy="0"/>
+        </a:xfrm>
+      </p:grpSpPr>
+      <p:sp>
+        <p:nvSpPr>
+          <p:cNvPr id="2" name="כותרת 1"/>
+          <p:cNvSpPr>
+            <a:spLocks noGrp="1"/>
+          </p:cNvSpPr>
+          <p:nvPr>
+            <p:ph type="title"/>
+          </p:nvPr>
+        </p:nvSpPr>
+        <p:spPr/>
+        <p:txBody>
+          <a:bodyPr/>
+          <a:lstStyle/>
+          <a:p>
+            <a:r>
+              <a:rPr lang="he-IL" dirty="0" smtClean="0"/>
               <a:t>שיתוף</a:t>
             </a:r>
             <a:endParaRPr lang="he-IL" dirty="0"/>
@@ -6555,7 +6594,7 @@
 </p:sld>
 </file>
 
-<file path=ppt/slides/slide8.xml><?xml version="1.0" encoding="utf-8"?>
+<file path=ppt/slides/slide9.xml><?xml version="1.0" encoding="utf-8"?>
 <p:sld xmlns:a="http://schemas.openxmlformats.org/drawingml/2006/main" xmlns:r="http://schemas.openxmlformats.org/officeDocument/2006/relationships" xmlns:p="http://schemas.openxmlformats.org/presentationml/2006/main">
   <p:cSld>
     <p:spTree>
